--- a/Administratif/Visuel.pptx
+++ b/Administratif/Visuel.pptx
@@ -244,7 +244,7 @@
           <a:p>
             <a:fld id="{A5DE0357-5E3B-455B-85D6-97D04540FA5A}" type="datetimeFigureOut">
               <a:rPr lang="en-US" smtClean="0"/>
-              <a:t>6/8/2016</a:t>
+              <a:t>6/10/2016</a:t>
             </a:fld>
             <a:endParaRPr lang="en-US"/>
           </a:p>
@@ -414,7 +414,7 @@
           <a:p>
             <a:fld id="{A5DE0357-5E3B-455B-85D6-97D04540FA5A}" type="datetimeFigureOut">
               <a:rPr lang="en-US" smtClean="0"/>
-              <a:t>6/8/2016</a:t>
+              <a:t>6/10/2016</a:t>
             </a:fld>
             <a:endParaRPr lang="en-US"/>
           </a:p>
@@ -594,7 +594,7 @@
           <a:p>
             <a:fld id="{A5DE0357-5E3B-455B-85D6-97D04540FA5A}" type="datetimeFigureOut">
               <a:rPr lang="en-US" smtClean="0"/>
-              <a:t>6/8/2016</a:t>
+              <a:t>6/10/2016</a:t>
             </a:fld>
             <a:endParaRPr lang="en-US"/>
           </a:p>
@@ -764,7 +764,7 @@
           <a:p>
             <a:fld id="{A5DE0357-5E3B-455B-85D6-97D04540FA5A}" type="datetimeFigureOut">
               <a:rPr lang="en-US" smtClean="0"/>
-              <a:t>6/8/2016</a:t>
+              <a:t>6/10/2016</a:t>
             </a:fld>
             <a:endParaRPr lang="en-US"/>
           </a:p>
@@ -1010,7 +1010,7 @@
           <a:p>
             <a:fld id="{A5DE0357-5E3B-455B-85D6-97D04540FA5A}" type="datetimeFigureOut">
               <a:rPr lang="en-US" smtClean="0"/>
-              <a:t>6/8/2016</a:t>
+              <a:t>6/10/2016</a:t>
             </a:fld>
             <a:endParaRPr lang="en-US"/>
           </a:p>
@@ -1242,7 +1242,7 @@
           <a:p>
             <a:fld id="{A5DE0357-5E3B-455B-85D6-97D04540FA5A}" type="datetimeFigureOut">
               <a:rPr lang="en-US" smtClean="0"/>
-              <a:t>6/8/2016</a:t>
+              <a:t>6/10/2016</a:t>
             </a:fld>
             <a:endParaRPr lang="en-US"/>
           </a:p>
@@ -1609,7 +1609,7 @@
           <a:p>
             <a:fld id="{A5DE0357-5E3B-455B-85D6-97D04540FA5A}" type="datetimeFigureOut">
               <a:rPr lang="en-US" smtClean="0"/>
-              <a:t>6/8/2016</a:t>
+              <a:t>6/10/2016</a:t>
             </a:fld>
             <a:endParaRPr lang="en-US"/>
           </a:p>
@@ -1727,7 +1727,7 @@
           <a:p>
             <a:fld id="{A5DE0357-5E3B-455B-85D6-97D04540FA5A}" type="datetimeFigureOut">
               <a:rPr lang="en-US" smtClean="0"/>
-              <a:t>6/8/2016</a:t>
+              <a:t>6/10/2016</a:t>
             </a:fld>
             <a:endParaRPr lang="en-US"/>
           </a:p>
@@ -1822,7 +1822,7 @@
           <a:p>
             <a:fld id="{A5DE0357-5E3B-455B-85D6-97D04540FA5A}" type="datetimeFigureOut">
               <a:rPr lang="en-US" smtClean="0"/>
-              <a:t>6/8/2016</a:t>
+              <a:t>6/10/2016</a:t>
             </a:fld>
             <a:endParaRPr lang="en-US"/>
           </a:p>
@@ -2099,7 +2099,7 @@
           <a:p>
             <a:fld id="{A5DE0357-5E3B-455B-85D6-97D04540FA5A}" type="datetimeFigureOut">
               <a:rPr lang="en-US" smtClean="0"/>
-              <a:t>6/8/2016</a:t>
+              <a:t>6/10/2016</a:t>
             </a:fld>
             <a:endParaRPr lang="en-US"/>
           </a:p>
@@ -2352,7 +2352,7 @@
           <a:p>
             <a:fld id="{A5DE0357-5E3B-455B-85D6-97D04540FA5A}" type="datetimeFigureOut">
               <a:rPr lang="en-US" smtClean="0"/>
-              <a:t>6/8/2016</a:t>
+              <a:t>6/10/2016</a:t>
             </a:fld>
             <a:endParaRPr lang="en-US"/>
           </a:p>
@@ -2565,7 +2565,7 @@
           <a:p>
             <a:fld id="{A5DE0357-5E3B-455B-85D6-97D04540FA5A}" type="datetimeFigureOut">
               <a:rPr lang="en-US" smtClean="0"/>
-              <a:t>6/8/2016</a:t>
+              <a:t>6/10/2016</a:t>
             </a:fld>
             <a:endParaRPr lang="en-US"/>
           </a:p>
@@ -2972,7 +2972,7 @@
       </p:grpSpPr>
       <p:sp>
         <p:nvSpPr>
-          <p:cNvPr id="12" name="Rectangle 11"/>
+          <p:cNvPr id="9" name="Rectangle 8"/>
           <p:cNvSpPr/>
           <p:nvPr/>
         </p:nvSpPr>
@@ -3019,111 +3019,15 @@
           </a:p>
         </p:txBody>
       </p:sp>
-      <p:pic>
-        <p:nvPicPr>
-          <p:cNvPr id="5" name="Image 4"/>
-          <p:cNvPicPr>
-            <a:picLocks noChangeAspect="1"/>
-          </p:cNvPicPr>
-          <p:nvPr/>
-        </p:nvPicPr>
-        <p:blipFill>
-          <a:blip r:embed="rId2"/>
-          <a:stretch>
-            <a:fillRect/>
-          </a:stretch>
-        </p:blipFill>
-        <p:spPr>
-          <a:xfrm>
-            <a:off x="1395908" y="346580"/>
-            <a:ext cx="1010078" cy="404031"/>
-          </a:xfrm>
-          <a:prstGeom prst="rect">
-            <a:avLst/>
-          </a:prstGeom>
-        </p:spPr>
-      </p:pic>
-      <p:pic>
-        <p:nvPicPr>
-          <p:cNvPr id="6" name="Image 5"/>
-          <p:cNvPicPr>
-            <a:picLocks noChangeAspect="1"/>
-          </p:cNvPicPr>
-          <p:nvPr/>
-        </p:nvPicPr>
-        <p:blipFill>
-          <a:blip r:embed="rId3"/>
-          <a:stretch>
-            <a:fillRect/>
-          </a:stretch>
-        </p:blipFill>
-        <p:spPr>
-          <a:xfrm>
-            <a:off x="2480410" y="341036"/>
-            <a:ext cx="1076325" cy="409575"/>
-          </a:xfrm>
-          <a:prstGeom prst="rect">
-            <a:avLst/>
-          </a:prstGeom>
-        </p:spPr>
-      </p:pic>
-      <p:pic>
-        <p:nvPicPr>
-          <p:cNvPr id="7" name="Image 6"/>
-          <p:cNvPicPr>
-            <a:picLocks noChangeAspect="1"/>
-          </p:cNvPicPr>
-          <p:nvPr/>
-        </p:nvPicPr>
-        <p:blipFill>
-          <a:blip r:embed="rId4"/>
-          <a:stretch>
-            <a:fillRect/>
-          </a:stretch>
-        </p:blipFill>
-        <p:spPr>
-          <a:xfrm>
-            <a:off x="3631159" y="296120"/>
-            <a:ext cx="1085850" cy="447675"/>
-          </a:xfrm>
-          <a:prstGeom prst="rect">
-            <a:avLst/>
-          </a:prstGeom>
-        </p:spPr>
-      </p:pic>
-      <p:pic>
-        <p:nvPicPr>
-          <p:cNvPr id="8" name="Image 7"/>
-          <p:cNvPicPr>
-            <a:picLocks noChangeAspect="1"/>
-          </p:cNvPicPr>
-          <p:nvPr/>
-        </p:nvPicPr>
-        <p:blipFill>
-          <a:blip r:embed="rId5"/>
-          <a:stretch>
-            <a:fillRect/>
-          </a:stretch>
-        </p:blipFill>
-        <p:spPr>
-          <a:xfrm>
-            <a:off x="4791431" y="296120"/>
-            <a:ext cx="1085850" cy="438150"/>
-          </a:xfrm>
-          <a:prstGeom prst="rect">
-            <a:avLst/>
-          </a:prstGeom>
-        </p:spPr>
-      </p:pic>
       <p:cxnSp>
         <p:nvCxnSpPr>
-          <p:cNvPr id="10" name="Connecteur droit 9"/>
+          <p:cNvPr id="11" name="Connecteur droit 10"/>
           <p:cNvCxnSpPr/>
           <p:nvPr/>
         </p:nvCxnSpPr>
         <p:spPr>
           <a:xfrm>
-            <a:off x="1199609" y="818851"/>
+            <a:off x="1199608" y="820702"/>
             <a:ext cx="4846349" cy="0"/>
           </a:xfrm>
           <a:prstGeom prst="line">
@@ -3145,6 +3049,192 @@
           </a:fontRef>
         </p:style>
       </p:cxnSp>
+      <p:pic>
+        <p:nvPicPr>
+          <p:cNvPr id="3" name="Image 2"/>
+          <p:cNvPicPr>
+            <a:picLocks noChangeAspect="1"/>
+          </p:cNvPicPr>
+          <p:nvPr/>
+        </p:nvPicPr>
+        <p:blipFill>
+          <a:blip r:embed="rId2"/>
+          <a:stretch>
+            <a:fillRect/>
+          </a:stretch>
+        </p:blipFill>
+        <p:spPr>
+          <a:xfrm>
+            <a:off x="1199609" y="150196"/>
+            <a:ext cx="4846349" cy="639620"/>
+          </a:xfrm>
+          <a:prstGeom prst="rect">
+            <a:avLst/>
+          </a:prstGeom>
+        </p:spPr>
+      </p:pic>
+      <p:sp>
+        <p:nvSpPr>
+          <p:cNvPr id="17" name="Rectangle 16"/>
+          <p:cNvSpPr/>
+          <p:nvPr/>
+        </p:nvSpPr>
+        <p:spPr>
+          <a:xfrm>
+            <a:off x="1298683" y="873437"/>
+            <a:ext cx="4648200" cy="286623"/>
+          </a:xfrm>
+          <a:prstGeom prst="rect">
+            <a:avLst/>
+          </a:prstGeom>
+        </p:spPr>
+        <p:style>
+          <a:lnRef idx="2">
+            <a:schemeClr val="accent1">
+              <a:shade val="50000"/>
+            </a:schemeClr>
+          </a:lnRef>
+          <a:fillRef idx="1">
+            <a:schemeClr val="accent1"/>
+          </a:fillRef>
+          <a:effectRef idx="0">
+            <a:schemeClr val="accent1"/>
+          </a:effectRef>
+          <a:fontRef idx="minor">
+            <a:schemeClr val="lt1"/>
+          </a:fontRef>
+        </p:style>
+        <p:txBody>
+          <a:bodyPr rtlCol="0" anchor="ctr"/>
+          <a:lstStyle/>
+          <a:p>
+            <a:r>
+              <a:rPr lang="fr-CH" dirty="0" smtClean="0"/>
+              <a:t>Nom p</a:t>
+            </a:r>
+            <a:r>
+              <a:rPr lang="fr-CH" dirty="0" smtClean="0"/>
+              <a:t>laylist</a:t>
+            </a:r>
+            <a:endParaRPr lang="en-US" dirty="0"/>
+          </a:p>
+        </p:txBody>
+      </p:sp>
+      <p:sp>
+        <p:nvSpPr>
+          <p:cNvPr id="4" name="Rectangle 3"/>
+          <p:cNvSpPr/>
+          <p:nvPr/>
+        </p:nvSpPr>
+        <p:spPr>
+          <a:xfrm>
+            <a:off x="1298682" y="1244201"/>
+            <a:ext cx="4648200" cy="4948800"/>
+          </a:xfrm>
+          <a:prstGeom prst="rect">
+            <a:avLst/>
+          </a:prstGeom>
+          <a:solidFill>
+            <a:schemeClr val="bg1"/>
+          </a:solidFill>
+        </p:spPr>
+        <p:style>
+          <a:lnRef idx="2">
+            <a:schemeClr val="accent1">
+              <a:shade val="50000"/>
+            </a:schemeClr>
+          </a:lnRef>
+          <a:fillRef idx="1">
+            <a:schemeClr val="accent1"/>
+          </a:fillRef>
+          <a:effectRef idx="0">
+            <a:schemeClr val="accent1"/>
+          </a:effectRef>
+          <a:fontRef idx="minor">
+            <a:schemeClr val="lt1"/>
+          </a:fontRef>
+        </p:style>
+        <p:txBody>
+          <a:bodyPr rtlCol="0" anchor="ctr"/>
+          <a:lstStyle/>
+          <a:p>
+            <a:pPr algn="ctr"/>
+            <a:endParaRPr lang="en-US"/>
+          </a:p>
+        </p:txBody>
+      </p:sp>
+      <p:pic>
+        <p:nvPicPr>
+          <p:cNvPr id="18" name="Image 17"/>
+          <p:cNvPicPr>
+            <a:picLocks noChangeAspect="1"/>
+          </p:cNvPicPr>
+          <p:nvPr/>
+        </p:nvPicPr>
+        <p:blipFill>
+          <a:blip r:embed="rId3"/>
+          <a:stretch>
+            <a:fillRect/>
+          </a:stretch>
+        </p:blipFill>
+        <p:spPr>
+          <a:xfrm>
+            <a:off x="4180866" y="6218284"/>
+            <a:ext cx="552450" cy="361950"/>
+          </a:xfrm>
+          <a:prstGeom prst="rect">
+            <a:avLst/>
+          </a:prstGeom>
+        </p:spPr>
+      </p:pic>
+      <p:pic>
+        <p:nvPicPr>
+          <p:cNvPr id="20" name="Image 19"/>
+          <p:cNvPicPr>
+            <a:picLocks noChangeAspect="1"/>
+          </p:cNvPicPr>
+          <p:nvPr/>
+        </p:nvPicPr>
+        <p:blipFill>
+          <a:blip r:embed="rId4"/>
+          <a:stretch>
+            <a:fillRect/>
+          </a:stretch>
+        </p:blipFill>
+        <p:spPr>
+          <a:xfrm>
+            <a:off x="5394432" y="6218284"/>
+            <a:ext cx="552450" cy="361950"/>
+          </a:xfrm>
+          <a:prstGeom prst="rect">
+            <a:avLst/>
+          </a:prstGeom>
+        </p:spPr>
+      </p:pic>
+      <p:pic>
+        <p:nvPicPr>
+          <p:cNvPr id="21" name="Image 20"/>
+          <p:cNvPicPr>
+            <a:picLocks noChangeAspect="1"/>
+          </p:cNvPicPr>
+          <p:nvPr/>
+        </p:nvPicPr>
+        <p:blipFill>
+          <a:blip r:embed="rId5"/>
+          <a:stretch>
+            <a:fillRect/>
+          </a:stretch>
+        </p:blipFill>
+        <p:spPr>
+          <a:xfrm>
+            <a:off x="4788797" y="6218284"/>
+            <a:ext cx="552450" cy="361950"/>
+          </a:xfrm>
+          <a:prstGeom prst="rect">
+            <a:avLst/>
+          </a:prstGeom>
+        </p:spPr>
+      </p:pic>
     </p:spTree>
     <p:extLst>
       <p:ext uri="{BB962C8B-B14F-4D97-AF65-F5344CB8AC3E}">
@@ -3155,6 +3245,13 @@
   <p:clrMapOvr>
     <a:masterClrMapping/>
   </p:clrMapOvr>
+  <p:timing>
+    <p:tnLst>
+      <p:par>
+        <p:cTn id="1" dur="indefinite" restart="never" nodeType="tmRoot"/>
+      </p:par>
+    </p:tnLst>
+  </p:timing>
 </p:sld>
 </file>
 
@@ -3727,6 +3824,13 @@
   <p:clrMapOvr>
     <a:masterClrMapping/>
   </p:clrMapOvr>
+  <p:timing>
+    <p:tnLst>
+      <p:par>
+        <p:cTn id="1" dur="indefinite" restart="never" nodeType="tmRoot"/>
+      </p:par>
+    </p:tnLst>
+  </p:timing>
 </p:sld>
 </file>
 

--- a/Administratif/Visuel.pptx
+++ b/Administratif/Visuel.pptx
@@ -244,7 +244,7 @@
           <a:p>
             <a:fld id="{A5DE0357-5E3B-455B-85D6-97D04540FA5A}" type="datetimeFigureOut">
               <a:rPr lang="en-US" smtClean="0"/>
-              <a:t>6/10/2016</a:t>
+              <a:t>6/12/2016</a:t>
             </a:fld>
             <a:endParaRPr lang="en-US"/>
           </a:p>
@@ -414,7 +414,7 @@
           <a:p>
             <a:fld id="{A5DE0357-5E3B-455B-85D6-97D04540FA5A}" type="datetimeFigureOut">
               <a:rPr lang="en-US" smtClean="0"/>
-              <a:t>6/10/2016</a:t>
+              <a:t>6/12/2016</a:t>
             </a:fld>
             <a:endParaRPr lang="en-US"/>
           </a:p>
@@ -594,7 +594,7 @@
           <a:p>
             <a:fld id="{A5DE0357-5E3B-455B-85D6-97D04540FA5A}" type="datetimeFigureOut">
               <a:rPr lang="en-US" smtClean="0"/>
-              <a:t>6/10/2016</a:t>
+              <a:t>6/12/2016</a:t>
             </a:fld>
             <a:endParaRPr lang="en-US"/>
           </a:p>
@@ -764,7 +764,7 @@
           <a:p>
             <a:fld id="{A5DE0357-5E3B-455B-85D6-97D04540FA5A}" type="datetimeFigureOut">
               <a:rPr lang="en-US" smtClean="0"/>
-              <a:t>6/10/2016</a:t>
+              <a:t>6/12/2016</a:t>
             </a:fld>
             <a:endParaRPr lang="en-US"/>
           </a:p>
@@ -1010,7 +1010,7 @@
           <a:p>
             <a:fld id="{A5DE0357-5E3B-455B-85D6-97D04540FA5A}" type="datetimeFigureOut">
               <a:rPr lang="en-US" smtClean="0"/>
-              <a:t>6/10/2016</a:t>
+              <a:t>6/12/2016</a:t>
             </a:fld>
             <a:endParaRPr lang="en-US"/>
           </a:p>
@@ -1242,7 +1242,7 @@
           <a:p>
             <a:fld id="{A5DE0357-5E3B-455B-85D6-97D04540FA5A}" type="datetimeFigureOut">
               <a:rPr lang="en-US" smtClean="0"/>
-              <a:t>6/10/2016</a:t>
+              <a:t>6/12/2016</a:t>
             </a:fld>
             <a:endParaRPr lang="en-US"/>
           </a:p>
@@ -1609,7 +1609,7 @@
           <a:p>
             <a:fld id="{A5DE0357-5E3B-455B-85D6-97D04540FA5A}" type="datetimeFigureOut">
               <a:rPr lang="en-US" smtClean="0"/>
-              <a:t>6/10/2016</a:t>
+              <a:t>6/12/2016</a:t>
             </a:fld>
             <a:endParaRPr lang="en-US"/>
           </a:p>
@@ -1727,7 +1727,7 @@
           <a:p>
             <a:fld id="{A5DE0357-5E3B-455B-85D6-97D04540FA5A}" type="datetimeFigureOut">
               <a:rPr lang="en-US" smtClean="0"/>
-              <a:t>6/10/2016</a:t>
+              <a:t>6/12/2016</a:t>
             </a:fld>
             <a:endParaRPr lang="en-US"/>
           </a:p>
@@ -1822,7 +1822,7 @@
           <a:p>
             <a:fld id="{A5DE0357-5E3B-455B-85D6-97D04540FA5A}" type="datetimeFigureOut">
               <a:rPr lang="en-US" smtClean="0"/>
-              <a:t>6/10/2016</a:t>
+              <a:t>6/12/2016</a:t>
             </a:fld>
             <a:endParaRPr lang="en-US"/>
           </a:p>
@@ -2099,7 +2099,7 @@
           <a:p>
             <a:fld id="{A5DE0357-5E3B-455B-85D6-97D04540FA5A}" type="datetimeFigureOut">
               <a:rPr lang="en-US" smtClean="0"/>
-              <a:t>6/10/2016</a:t>
+              <a:t>6/12/2016</a:t>
             </a:fld>
             <a:endParaRPr lang="en-US"/>
           </a:p>
@@ -2352,7 +2352,7 @@
           <a:p>
             <a:fld id="{A5DE0357-5E3B-455B-85D6-97D04540FA5A}" type="datetimeFigureOut">
               <a:rPr lang="en-US" smtClean="0"/>
-              <a:t>6/10/2016</a:t>
+              <a:t>6/12/2016</a:t>
             </a:fld>
             <a:endParaRPr lang="en-US"/>
           </a:p>
@@ -2565,7 +2565,7 @@
           <a:p>
             <a:fld id="{A5DE0357-5E3B-455B-85D6-97D04540FA5A}" type="datetimeFigureOut">
               <a:rPr lang="en-US" smtClean="0"/>
-              <a:t>6/10/2016</a:t>
+              <a:t>6/12/2016</a:t>
             </a:fld>
             <a:endParaRPr lang="en-US"/>
           </a:p>
@@ -3110,11 +3110,7 @@
           <a:p>
             <a:r>
               <a:rPr lang="fr-CH" dirty="0" smtClean="0"/>
-              <a:t>Nom p</a:t>
-            </a:r>
-            <a:r>
-              <a:rPr lang="fr-CH" dirty="0" smtClean="0"/>
-              <a:t>laylist</a:t>
+              <a:t>Nom playlist</a:t>
             </a:r>
             <a:endParaRPr lang="en-US" dirty="0"/>
           </a:p>
@@ -3530,7 +3526,7 @@
         </p:blipFill>
         <p:spPr>
           <a:xfrm>
-            <a:off x="1298683" y="5902551"/>
+            <a:off x="1317679" y="5461260"/>
             <a:ext cx="924139" cy="375013"/>
           </a:xfrm>
           <a:prstGeom prst="rect">
@@ -3554,7 +3550,7 @@
         </p:blipFill>
         <p:spPr>
           <a:xfrm>
-            <a:off x="2317858" y="5897361"/>
+            <a:off x="2336854" y="5456070"/>
             <a:ext cx="949716" cy="385392"/>
           </a:xfrm>
           <a:prstGeom prst="rect">
@@ -3578,7 +3574,7 @@
         </p:blipFill>
         <p:spPr>
           <a:xfrm>
-            <a:off x="4548279" y="5897361"/>
+            <a:off x="4498225" y="6039620"/>
             <a:ext cx="1398604" cy="380203"/>
           </a:xfrm>
           <a:prstGeom prst="rect">
@@ -3594,7 +3590,7 @@
         </p:nvSpPr>
         <p:spPr>
           <a:xfrm>
-            <a:off x="4927708" y="5897361"/>
+            <a:off x="4877654" y="6039620"/>
             <a:ext cx="637069" cy="380203"/>
           </a:xfrm>
           <a:prstGeom prst="rect">
@@ -3638,7 +3634,7 @@
         </p:blipFill>
         <p:spPr>
           <a:xfrm>
-            <a:off x="5585609" y="5913227"/>
+            <a:off x="5535555" y="6055486"/>
             <a:ext cx="325148" cy="325148"/>
           </a:xfrm>
           <a:prstGeom prst="rect">
@@ -3668,7 +3664,7 @@
         </p:blipFill>
         <p:spPr>
           <a:xfrm>
-            <a:off x="4573940" y="5923581"/>
+            <a:off x="4523886" y="6065840"/>
             <a:ext cx="325148" cy="325148"/>
           </a:xfrm>
           <a:prstGeom prst="rect">
@@ -3676,30 +3672,6 @@
           </a:prstGeom>
         </p:spPr>
       </p:pic>
-      <p:pic>
-        <p:nvPicPr>
-          <p:cNvPr id="20" name="Image 19"/>
-          <p:cNvPicPr>
-            <a:picLocks noChangeAspect="1"/>
-          </p:cNvPicPr>
-          <p:nvPr/>
-        </p:nvPicPr>
-        <p:blipFill>
-          <a:blip r:embed="rId12"/>
-          <a:stretch>
-            <a:fillRect/>
-          </a:stretch>
-        </p:blipFill>
-        <p:spPr>
-          <a:xfrm>
-            <a:off x="4548279" y="5466046"/>
-            <a:ext cx="1398604" cy="281370"/>
-          </a:xfrm>
-          <a:prstGeom prst="rect">
-            <a:avLst/>
-          </a:prstGeom>
-        </p:spPr>
-      </p:pic>
       <p:sp>
         <p:nvSpPr>
           <p:cNvPr id="21" name="ZoneTexte 20"/>
@@ -3708,8 +3680,8 @@
         </p:nvSpPr>
         <p:spPr>
           <a:xfrm>
-            <a:off x="4548279" y="5414035"/>
-            <a:ext cx="1398604" cy="369332"/>
+            <a:off x="3490401" y="6050491"/>
+            <a:ext cx="1019175" cy="369332"/>
           </a:xfrm>
           <a:prstGeom prst="rect">
             <a:avLst/>
@@ -3724,7 +3696,7 @@
           <a:p>
             <a:r>
               <a:rPr lang="fr-CH" dirty="0" smtClean="0"/>
-              <a:t>Speed factor</a:t>
+              <a:t>Tempo :</a:t>
             </a:r>
             <a:endParaRPr lang="en-US" dirty="0"/>
           </a:p>
@@ -3738,7 +3710,7 @@
         </p:nvSpPr>
         <p:spPr>
           <a:xfrm>
-            <a:off x="1298684" y="5414035"/>
+            <a:off x="3490401" y="5472130"/>
             <a:ext cx="765248" cy="369332"/>
           </a:xfrm>
           <a:prstGeom prst="rect">
@@ -3776,7 +3748,7 @@
         </p:blipFill>
         <p:spPr>
           <a:xfrm>
-            <a:off x="2063932" y="5466047"/>
+            <a:off x="4594881" y="5510839"/>
             <a:ext cx="1195200" cy="281369"/>
           </a:xfrm>
           <a:prstGeom prst="rect">
@@ -3792,7 +3764,7 @@
         </p:nvSpPr>
         <p:spPr>
           <a:xfrm>
-            <a:off x="2062903" y="5427338"/>
+            <a:off x="4593852" y="5472130"/>
             <a:ext cx="1204671" cy="369332"/>
           </a:xfrm>
           <a:prstGeom prst="rect">
@@ -3814,6 +3786,36 @@
           </a:p>
         </p:txBody>
       </p:sp>
+      <p:cxnSp>
+        <p:nvCxnSpPr>
+          <p:cNvPr id="25" name="Connecteur droit 24"/>
+          <p:cNvCxnSpPr/>
+          <p:nvPr/>
+        </p:nvCxnSpPr>
+        <p:spPr>
+          <a:xfrm>
+            <a:off x="3424845" y="5314748"/>
+            <a:ext cx="0" cy="1260000"/>
+          </a:xfrm>
+          <a:prstGeom prst="line">
+            <a:avLst/>
+          </a:prstGeom>
+        </p:spPr>
+        <p:style>
+          <a:lnRef idx="1">
+            <a:schemeClr val="accent1"/>
+          </a:lnRef>
+          <a:fillRef idx="0">
+            <a:schemeClr val="accent1"/>
+          </a:fillRef>
+          <a:effectRef idx="0">
+            <a:schemeClr val="accent1"/>
+          </a:effectRef>
+          <a:fontRef idx="minor">
+            <a:schemeClr val="tx1"/>
+          </a:fontRef>
+        </p:style>
+      </p:cxnSp>
     </p:spTree>
     <p:extLst>
       <p:ext uri="{BB962C8B-B14F-4D97-AF65-F5344CB8AC3E}">

--- a/Administratif/Visuel.pptx
+++ b/Administratif/Visuel.pptx
@@ -204,7 +204,7 @@
           <a:p>
             <a:fld id="{1226F8A9-A3C3-454C-80DE-58F97EE8E331}" type="datetimeFigureOut">
               <a:rPr lang="fr-CH" smtClean="0"/>
-              <a:t>06.07.2016</a:t>
+              <a:t>14.07.2016</a:t>
             </a:fld>
             <a:endParaRPr lang="fr-CH"/>
           </a:p>
@@ -687,7 +687,7 @@
           <a:p>
             <a:fld id="{A5DE0357-5E3B-455B-85D6-97D04540FA5A}" type="datetimeFigureOut">
               <a:rPr lang="en-US" smtClean="0"/>
-              <a:t>7/6/2016</a:t>
+              <a:t>7/14/2016</a:t>
             </a:fld>
             <a:endParaRPr lang="en-US"/>
           </a:p>
@@ -857,7 +857,7 @@
           <a:p>
             <a:fld id="{A5DE0357-5E3B-455B-85D6-97D04540FA5A}" type="datetimeFigureOut">
               <a:rPr lang="en-US" smtClean="0"/>
-              <a:t>7/6/2016</a:t>
+              <a:t>7/14/2016</a:t>
             </a:fld>
             <a:endParaRPr lang="en-US"/>
           </a:p>
@@ -1037,7 +1037,7 @@
           <a:p>
             <a:fld id="{A5DE0357-5E3B-455B-85D6-97D04540FA5A}" type="datetimeFigureOut">
               <a:rPr lang="en-US" smtClean="0"/>
-              <a:t>7/6/2016</a:t>
+              <a:t>7/14/2016</a:t>
             </a:fld>
             <a:endParaRPr lang="en-US"/>
           </a:p>
@@ -1207,7 +1207,7 @@
           <a:p>
             <a:fld id="{A5DE0357-5E3B-455B-85D6-97D04540FA5A}" type="datetimeFigureOut">
               <a:rPr lang="en-US" smtClean="0"/>
-              <a:t>7/6/2016</a:t>
+              <a:t>7/14/2016</a:t>
             </a:fld>
             <a:endParaRPr lang="en-US"/>
           </a:p>
@@ -1453,7 +1453,7 @@
           <a:p>
             <a:fld id="{A5DE0357-5E3B-455B-85D6-97D04540FA5A}" type="datetimeFigureOut">
               <a:rPr lang="en-US" smtClean="0"/>
-              <a:t>7/6/2016</a:t>
+              <a:t>7/14/2016</a:t>
             </a:fld>
             <a:endParaRPr lang="en-US"/>
           </a:p>
@@ -1685,7 +1685,7 @@
           <a:p>
             <a:fld id="{A5DE0357-5E3B-455B-85D6-97D04540FA5A}" type="datetimeFigureOut">
               <a:rPr lang="en-US" smtClean="0"/>
-              <a:t>7/6/2016</a:t>
+              <a:t>7/14/2016</a:t>
             </a:fld>
             <a:endParaRPr lang="en-US"/>
           </a:p>
@@ -2052,7 +2052,7 @@
           <a:p>
             <a:fld id="{A5DE0357-5E3B-455B-85D6-97D04540FA5A}" type="datetimeFigureOut">
               <a:rPr lang="en-US" smtClean="0"/>
-              <a:t>7/6/2016</a:t>
+              <a:t>7/14/2016</a:t>
             </a:fld>
             <a:endParaRPr lang="en-US"/>
           </a:p>
@@ -2170,7 +2170,7 @@
           <a:p>
             <a:fld id="{A5DE0357-5E3B-455B-85D6-97D04540FA5A}" type="datetimeFigureOut">
               <a:rPr lang="en-US" smtClean="0"/>
-              <a:t>7/6/2016</a:t>
+              <a:t>7/14/2016</a:t>
             </a:fld>
             <a:endParaRPr lang="en-US"/>
           </a:p>
@@ -2265,7 +2265,7 @@
           <a:p>
             <a:fld id="{A5DE0357-5E3B-455B-85D6-97D04540FA5A}" type="datetimeFigureOut">
               <a:rPr lang="en-US" smtClean="0"/>
-              <a:t>7/6/2016</a:t>
+              <a:t>7/14/2016</a:t>
             </a:fld>
             <a:endParaRPr lang="en-US"/>
           </a:p>
@@ -2542,7 +2542,7 @@
           <a:p>
             <a:fld id="{A5DE0357-5E3B-455B-85D6-97D04540FA5A}" type="datetimeFigureOut">
               <a:rPr lang="en-US" smtClean="0"/>
-              <a:t>7/6/2016</a:t>
+              <a:t>7/14/2016</a:t>
             </a:fld>
             <a:endParaRPr lang="en-US"/>
           </a:p>
@@ -2795,7 +2795,7 @@
           <a:p>
             <a:fld id="{A5DE0357-5E3B-455B-85D6-97D04540FA5A}" type="datetimeFigureOut">
               <a:rPr lang="en-US" smtClean="0"/>
-              <a:t>7/6/2016</a:t>
+              <a:t>7/14/2016</a:t>
             </a:fld>
             <a:endParaRPr lang="en-US"/>
           </a:p>
@@ -3008,7 +3008,7 @@
           <a:p>
             <a:fld id="{A5DE0357-5E3B-455B-85D6-97D04540FA5A}" type="datetimeFigureOut">
               <a:rPr lang="en-US" smtClean="0"/>
-              <a:t>7/6/2016</a:t>
+              <a:t>7/14/2016</a:t>
             </a:fld>
             <a:endParaRPr lang="en-US"/>
           </a:p>
@@ -4514,35 +4514,6 @@
           </a:prstGeom>
         </p:spPr>
       </p:pic>
-      <p:pic>
-        <p:nvPicPr>
-          <p:cNvPr id="7" name="Image 6"/>
-          <p:cNvPicPr>
-            <a:picLocks noChangeAspect="1"/>
-          </p:cNvPicPr>
-          <p:nvPr/>
-        </p:nvPicPr>
-        <p:blipFill rotWithShape="1">
-          <a:blip r:embed="rId15" cstate="print">
-            <a:extLst>
-              <a:ext uri="{28A0092B-C50C-407E-A947-70E740481C1C}">
-                <a14:useLocalDpi xmlns:a14="http://schemas.microsoft.com/office/drawing/2010/main" val="0"/>
-              </a:ext>
-            </a:extLst>
-          </a:blip>
-          <a:srcRect t="18659" b="16545"/>
-          <a:stretch/>
-        </p:blipFill>
-        <p:spPr>
-          <a:xfrm>
-            <a:off x="3626242" y="886029"/>
-            <a:ext cx="4648160" cy="1573544"/>
-          </a:xfrm>
-          <a:prstGeom prst="rect">
-            <a:avLst/>
-          </a:prstGeom>
-        </p:spPr>
-      </p:pic>
       <p:sp>
         <p:nvSpPr>
           <p:cNvPr id="44" name="Rectangle 43"/>
@@ -4593,57 +4564,99 @@
           </a:p>
         </p:txBody>
       </p:sp>
-      <p:pic>
-        <p:nvPicPr>
-          <p:cNvPr id="40" name="Picture 2" descr="https://www.y-parc.ch/uploads/pics/20151121_image_event_po-heig-vd.png"/>
-          <p:cNvPicPr>
-            <a:picLocks noChangeAspect="1" noChangeArrowheads="1"/>
-          </p:cNvPicPr>
-          <p:nvPr/>
-        </p:nvPicPr>
-        <p:blipFill>
-          <a:blip r:embed="rId16" cstate="print">
-            <a:clrChange>
-              <a:clrFrom>
-                <a:srgbClr val="FFFFFF"/>
-              </a:clrFrom>
-              <a:clrTo>
-                <a:srgbClr val="FFFFFF">
-                  <a:alpha val="0"/>
-                </a:srgbClr>
-              </a:clrTo>
-            </a:clrChange>
+      <p:grpSp>
+        <p:nvGrpSpPr>
+          <p:cNvPr id="5" name="Groupe 4"/>
+          <p:cNvGrpSpPr/>
+          <p:nvPr/>
+        </p:nvGrpSpPr>
+        <p:grpSpPr>
+          <a:xfrm>
+            <a:off x="3626242" y="886029"/>
+            <a:ext cx="4648160" cy="1573544"/>
+            <a:chOff x="3626242" y="886029"/>
+            <a:chExt cx="4648160" cy="1573544"/>
+          </a:xfrm>
+        </p:grpSpPr>
+        <p:pic>
+          <p:nvPicPr>
+            <p:cNvPr id="7" name="Image 6"/>
+            <p:cNvPicPr>
+              <a:picLocks noChangeAspect="1"/>
+            </p:cNvPicPr>
+            <p:nvPr/>
+          </p:nvPicPr>
+          <p:blipFill rotWithShape="1">
+            <a:blip r:embed="rId15" cstate="print">
+              <a:extLst>
+                <a:ext uri="{28A0092B-C50C-407E-A947-70E740481C1C}">
+                  <a14:useLocalDpi xmlns:a14="http://schemas.microsoft.com/office/drawing/2010/main" val="0"/>
+                </a:ext>
+              </a:extLst>
+            </a:blip>
+            <a:srcRect t="18659" b="16545"/>
+            <a:stretch/>
+          </p:blipFill>
+          <p:spPr>
+            <a:xfrm>
+              <a:off x="3626242" y="886029"/>
+              <a:ext cx="4648160" cy="1573544"/>
+            </a:xfrm>
+            <a:prstGeom prst="rect">
+              <a:avLst/>
+            </a:prstGeom>
+          </p:spPr>
+        </p:pic>
+        <p:pic>
+          <p:nvPicPr>
+            <p:cNvPr id="40" name="Picture 2" descr="https://www.y-parc.ch/uploads/pics/20151121_image_event_po-heig-vd.png"/>
+            <p:cNvPicPr>
+              <a:picLocks noChangeAspect="1" noChangeArrowheads="1"/>
+            </p:cNvPicPr>
+            <p:nvPr/>
+          </p:nvPicPr>
+          <p:blipFill rotWithShape="1">
+            <a:blip r:embed="rId16" cstate="print">
+              <a:clrChange>
+                <a:clrFrom>
+                  <a:srgbClr val="FFFFFF"/>
+                </a:clrFrom>
+                <a:clrTo>
+                  <a:srgbClr val="FFFFFF">
+                    <a:alpha val="0"/>
+                  </a:srgbClr>
+                </a:clrTo>
+              </a:clrChange>
+              <a:extLst>
+                <a:ext uri="{28A0092B-C50C-407E-A947-70E740481C1C}">
+                  <a14:useLocalDpi xmlns:a14="http://schemas.microsoft.com/office/drawing/2010/main" val="0"/>
+                </a:ext>
+              </a:extLst>
+            </a:blip>
+            <a:srcRect l="3169" t="11470" r="3210" b="17891"/>
+            <a:stretch/>
+          </p:blipFill>
+          <p:spPr bwMode="auto">
+            <a:xfrm>
+              <a:off x="6593747" y="1812021"/>
+              <a:ext cx="1668704" cy="631143"/>
+            </a:xfrm>
+            <a:prstGeom prst="rect">
+              <a:avLst/>
+            </a:prstGeom>
+            <a:noFill/>
             <a:extLst>
-              <a:ext uri="{28A0092B-C50C-407E-A947-70E740481C1C}">
-                <a14:useLocalDpi xmlns:a14="http://schemas.microsoft.com/office/drawing/2010/main" val="0"/>
+              <a:ext uri="{909E8E84-426E-40DD-AFC4-6F175D3DCCD1}">
+                <a14:hiddenFill xmlns:a14="http://schemas.microsoft.com/office/drawing/2010/main">
+                  <a:solidFill>
+                    <a:srgbClr val="FFFFFF"/>
+                  </a:solidFill>
+                </a14:hiddenFill>
               </a:ext>
             </a:extLst>
-          </a:blip>
-          <a:srcRect/>
-          <a:stretch>
-            <a:fillRect/>
-          </a:stretch>
-        </p:blipFill>
-        <p:spPr bwMode="auto">
-          <a:xfrm>
-            <a:off x="6537281" y="1709530"/>
-            <a:ext cx="1782388" cy="893489"/>
-          </a:xfrm>
-          <a:prstGeom prst="rect">
-            <a:avLst/>
-          </a:prstGeom>
-          <a:noFill/>
-          <a:extLst>
-            <a:ext uri="{909E8E84-426E-40DD-AFC4-6F175D3DCCD1}">
-              <a14:hiddenFill xmlns:a14="http://schemas.microsoft.com/office/drawing/2010/main">
-                <a:solidFill>
-                  <a:srgbClr val="FFFFFF"/>
-                </a:solidFill>
-              </a14:hiddenFill>
-            </a:ext>
-          </a:extLst>
-        </p:spPr>
-      </p:pic>
+          </p:spPr>
+        </p:pic>
+      </p:grpSp>
     </p:spTree>
     <p:extLst>
       <p:ext uri="{BB962C8B-B14F-4D97-AF65-F5344CB8AC3E}">

--- a/Administratif/Visuel.pptx
+++ b/Administratif/Visuel.pptx
@@ -204,7 +204,7 @@
           <a:p>
             <a:fld id="{1226F8A9-A3C3-454C-80DE-58F97EE8E331}" type="datetimeFigureOut">
               <a:rPr lang="fr-CH" smtClean="0"/>
-              <a:t>14.07.2016</a:t>
+              <a:t>17.07.2016</a:t>
             </a:fld>
             <a:endParaRPr lang="fr-CH"/>
           </a:p>
@@ -687,7 +687,7 @@
           <a:p>
             <a:fld id="{A5DE0357-5E3B-455B-85D6-97D04540FA5A}" type="datetimeFigureOut">
               <a:rPr lang="en-US" smtClean="0"/>
-              <a:t>7/14/2016</a:t>
+              <a:t>7/17/2016</a:t>
             </a:fld>
             <a:endParaRPr lang="en-US"/>
           </a:p>
@@ -857,7 +857,7 @@
           <a:p>
             <a:fld id="{A5DE0357-5E3B-455B-85D6-97D04540FA5A}" type="datetimeFigureOut">
               <a:rPr lang="en-US" smtClean="0"/>
-              <a:t>7/14/2016</a:t>
+              <a:t>7/17/2016</a:t>
             </a:fld>
             <a:endParaRPr lang="en-US"/>
           </a:p>
@@ -1037,7 +1037,7 @@
           <a:p>
             <a:fld id="{A5DE0357-5E3B-455B-85D6-97D04540FA5A}" type="datetimeFigureOut">
               <a:rPr lang="en-US" smtClean="0"/>
-              <a:t>7/14/2016</a:t>
+              <a:t>7/17/2016</a:t>
             </a:fld>
             <a:endParaRPr lang="en-US"/>
           </a:p>
@@ -1207,7 +1207,7 @@
           <a:p>
             <a:fld id="{A5DE0357-5E3B-455B-85D6-97D04540FA5A}" type="datetimeFigureOut">
               <a:rPr lang="en-US" smtClean="0"/>
-              <a:t>7/14/2016</a:t>
+              <a:t>7/17/2016</a:t>
             </a:fld>
             <a:endParaRPr lang="en-US"/>
           </a:p>
@@ -1453,7 +1453,7 @@
           <a:p>
             <a:fld id="{A5DE0357-5E3B-455B-85D6-97D04540FA5A}" type="datetimeFigureOut">
               <a:rPr lang="en-US" smtClean="0"/>
-              <a:t>7/14/2016</a:t>
+              <a:t>7/17/2016</a:t>
             </a:fld>
             <a:endParaRPr lang="en-US"/>
           </a:p>
@@ -1685,7 +1685,7 @@
           <a:p>
             <a:fld id="{A5DE0357-5E3B-455B-85D6-97D04540FA5A}" type="datetimeFigureOut">
               <a:rPr lang="en-US" smtClean="0"/>
-              <a:t>7/14/2016</a:t>
+              <a:t>7/17/2016</a:t>
             </a:fld>
             <a:endParaRPr lang="en-US"/>
           </a:p>
@@ -2052,7 +2052,7 @@
           <a:p>
             <a:fld id="{A5DE0357-5E3B-455B-85D6-97D04540FA5A}" type="datetimeFigureOut">
               <a:rPr lang="en-US" smtClean="0"/>
-              <a:t>7/14/2016</a:t>
+              <a:t>7/17/2016</a:t>
             </a:fld>
             <a:endParaRPr lang="en-US"/>
           </a:p>
@@ -2170,7 +2170,7 @@
           <a:p>
             <a:fld id="{A5DE0357-5E3B-455B-85D6-97D04540FA5A}" type="datetimeFigureOut">
               <a:rPr lang="en-US" smtClean="0"/>
-              <a:t>7/14/2016</a:t>
+              <a:t>7/17/2016</a:t>
             </a:fld>
             <a:endParaRPr lang="en-US"/>
           </a:p>
@@ -2265,7 +2265,7 @@
           <a:p>
             <a:fld id="{A5DE0357-5E3B-455B-85D6-97D04540FA5A}" type="datetimeFigureOut">
               <a:rPr lang="en-US" smtClean="0"/>
-              <a:t>7/14/2016</a:t>
+              <a:t>7/17/2016</a:t>
             </a:fld>
             <a:endParaRPr lang="en-US"/>
           </a:p>
@@ -2542,7 +2542,7 @@
           <a:p>
             <a:fld id="{A5DE0357-5E3B-455B-85D6-97D04540FA5A}" type="datetimeFigureOut">
               <a:rPr lang="en-US" smtClean="0"/>
-              <a:t>7/14/2016</a:t>
+              <a:t>7/17/2016</a:t>
             </a:fld>
             <a:endParaRPr lang="en-US"/>
           </a:p>
@@ -2795,7 +2795,7 @@
           <a:p>
             <a:fld id="{A5DE0357-5E3B-455B-85D6-97D04540FA5A}" type="datetimeFigureOut">
               <a:rPr lang="en-US" smtClean="0"/>
-              <a:t>7/14/2016</a:t>
+              <a:t>7/17/2016</a:t>
             </a:fld>
             <a:endParaRPr lang="en-US"/>
           </a:p>
@@ -3008,7 +3008,7 @@
           <a:p>
             <a:fld id="{A5DE0357-5E3B-455B-85D6-97D04540FA5A}" type="datetimeFigureOut">
               <a:rPr lang="en-US" smtClean="0"/>
-              <a:t>7/14/2016</a:t>
+              <a:t>7/17/2016</a:t>
             </a:fld>
             <a:endParaRPr lang="en-US"/>
           </a:p>
@@ -4657,6 +4657,30 @@
           </p:spPr>
         </p:pic>
       </p:grpSp>
+      <p:pic>
+        <p:nvPicPr>
+          <p:cNvPr id="41" name="Image 40"/>
+          <p:cNvPicPr>
+            <a:picLocks noChangeAspect="1"/>
+          </p:cNvPicPr>
+          <p:nvPr/>
+        </p:nvPicPr>
+        <p:blipFill>
+          <a:blip r:embed="rId2"/>
+          <a:stretch>
+            <a:fillRect/>
+          </a:stretch>
+        </p:blipFill>
+        <p:spPr>
+          <a:xfrm>
+            <a:off x="9827857" y="1703330"/>
+            <a:ext cx="1440000" cy="1468801"/>
+          </a:xfrm>
+          <a:prstGeom prst="rect">
+            <a:avLst/>
+          </a:prstGeom>
+        </p:spPr>
+      </p:pic>
     </p:spTree>
     <p:extLst>
       <p:ext uri="{BB962C8B-B14F-4D97-AF65-F5344CB8AC3E}">
